--- a/Presentation_Gotti_Mazzoleni.pptx
+++ b/Presentation_Gotti_Mazzoleni.pptx
@@ -5,7 +5,7 @@
     <p:sldMasterId id="2147483648" r:id="rId1"/>
   </p:sldMasterIdLst>
   <p:notesMasterIdLst>
-    <p:notesMasterId r:id="rId43"/>
+    <p:notesMasterId r:id="rId44"/>
   </p:notesMasterIdLst>
   <p:sldIdLst>
     <p:sldId id="256" r:id="rId2"/>
@@ -49,6 +49,7 @@
     <p:sldId id="348" r:id="rId40"/>
     <p:sldId id="350" r:id="rId41"/>
     <p:sldId id="349" r:id="rId42"/>
+    <p:sldId id="351" r:id="rId43"/>
   </p:sldIdLst>
   <p:sldSz cx="12192000" cy="6858000"/>
   <p:notesSz cx="12192000" cy="6858000"/>
@@ -158,7 +159,7 @@
           <a:p>
             <a:fld id="{52CF3C78-BFF9-4137-8833-13E3D0B09D8B}" type="datetimeFigureOut">
               <a:rPr lang="it-IT" smtClean="0"/>
-              <a:t>20/06/2025</a:t>
+              <a:t>21/06/2025</a:t>
             </a:fld>
             <a:endParaRPr lang="it-IT"/>
           </a:p>
@@ -576,7 +577,7 @@
           <a:p>
             <a:fld id="{1D8BD707-D9CF-40AE-B4C6-C98DA3205C09}" type="datetimeFigureOut">
               <a:rPr lang="en-US"/>
-              <a:t>6/20/2025</a:t>
+              <a:t>6/21/2025</a:t>
             </a:fld>
             <a:endParaRPr lang="en-US"/>
           </a:p>
@@ -753,7 +754,7 @@
           <a:p>
             <a:fld id="{1D8BD707-D9CF-40AE-B4C6-C98DA3205C09}" type="datetimeFigureOut">
               <a:rPr lang="en-US"/>
-              <a:t>6/20/2025</a:t>
+              <a:t>6/21/2025</a:t>
             </a:fld>
             <a:endParaRPr lang="en-US"/>
           </a:p>
@@ -967,7 +968,7 @@
           <a:p>
             <a:fld id="{1D8BD707-D9CF-40AE-B4C6-C98DA3205C09}" type="datetimeFigureOut">
               <a:rPr lang="en-US"/>
-              <a:t>6/20/2025</a:t>
+              <a:t>6/21/2025</a:t>
             </a:fld>
             <a:endParaRPr lang="en-US"/>
           </a:p>
@@ -1115,7 +1116,7 @@
           <a:p>
             <a:fld id="{1D8BD707-D9CF-40AE-B4C6-C98DA3205C09}" type="datetimeFigureOut">
               <a:rPr lang="en-US"/>
-              <a:t>6/20/2025</a:t>
+              <a:t>6/21/2025</a:t>
             </a:fld>
             <a:endParaRPr lang="en-US"/>
           </a:p>
@@ -1234,7 +1235,7 @@
           <a:p>
             <a:fld id="{1D8BD707-D9CF-40AE-B4C6-C98DA3205C09}" type="datetimeFigureOut">
               <a:rPr lang="en-US"/>
-              <a:t>6/20/2025</a:t>
+              <a:t>6/21/2025</a:t>
             </a:fld>
             <a:endParaRPr lang="en-US"/>
           </a:p>
@@ -1531,7 +1532,7 @@
           <a:p>
             <a:fld id="{1D8BD707-D9CF-40AE-B4C6-C98DA3205C09}" type="datetimeFigureOut">
               <a:rPr lang="en-US"/>
-              <a:t>6/20/2025</a:t>
+              <a:t>6/21/2025</a:t>
             </a:fld>
             <a:endParaRPr lang="en-US"/>
           </a:p>
@@ -10263,7 +10264,7 @@
             <p:spPr>
               <a:xfrm>
                 <a:off x="762000" y="1641626"/>
-                <a:ext cx="5334000" cy="3785652"/>
+                <a:ext cx="5562600" cy="3046988"/>
               </a:xfrm>
               <a:prstGeom prst="rect">
                 <a:avLst/>
@@ -10284,8 +10285,13 @@
                     <a:latin typeface="Arial" panose="020B0604020202020204" pitchFamily="34" charset="0"/>
                     <a:cs typeface="Arial" panose="020B0604020202020204" pitchFamily="34" charset="0"/>
                   </a:rPr>
-                  <a:t>The best statistical model for this dataset in terms of prediction accuracy appears to be the </a:t>
+                  <a:t>The best statistical model for prediction:</a:t>
                 </a:r>
+              </a:p>
+              <a:p>
+                <a:pPr marL="0" indent="0">
+                  <a:buNone/>
+                </a:pPr>
                 <a:r>
                   <a:rPr lang="en-GB" sz="2400" b="1" noProof="0" dirty="0">
                     <a:latin typeface="Arial" panose="020B0604020202020204" pitchFamily="34" charset="0"/>
@@ -10319,7 +10325,7 @@
                     <a:latin typeface="Arial" panose="020B0604020202020204" pitchFamily="34" charset="0"/>
                     <a:cs typeface="Arial" panose="020B0604020202020204" pitchFamily="34" charset="0"/>
                   </a:rPr>
-                  <a:t>10 – fold cross validation on the model yields:</a:t>
+                  <a:t>10 – fold cross validation yields:</a:t>
                 </a:r>
                 <a:endParaRPr lang="en-GB" sz="2400" noProof="0" dirty="0">
                   <a:latin typeface="Arial" panose="020B0604020202020204" pitchFamily="34" charset="0"/>
@@ -10455,7 +10461,15 @@
                   </a:rPr>
                   <a:t>9.466</a:t>
                 </a:r>
+              </a:p>
+              <a:p>
+                <a:pPr marL="0" indent="0">
+                  <a:buNone/>
+                </a:pPr>
                 <a:endParaRPr lang="en-GB" sz="2400" noProof="0" dirty="0">
+                  <a:solidFill>
+                    <a:schemeClr val="tx1"/>
+                  </a:solidFill>
                   <a:latin typeface="Arial" panose="020B0604020202020204" pitchFamily="34" charset="0"/>
                   <a:cs typeface="Arial" panose="020B0604020202020204" pitchFamily="34" charset="0"/>
                 </a:endParaRPr>
@@ -10481,7 +10495,7 @@
             <p:spPr>
               <a:xfrm>
                 <a:off x="762000" y="1641626"/>
-                <a:ext cx="5334000" cy="3785652"/>
+                <a:ext cx="5562600" cy="3046988"/>
               </a:xfrm>
               <a:prstGeom prst="rect">
                 <a:avLst/>
@@ -10489,7 +10503,7 @@
               <a:blipFill>
                 <a:blip r:embed="rId2"/>
                 <a:stretch>
-                  <a:fillRect l="-1714" t="-1127" b="-2899"/>
+                  <a:fillRect l="-1643" t="-1400" r="-1533"/>
                 </a:stretch>
               </a:blipFill>
             </p:spPr>
@@ -10625,8 +10639,8 @@
         </p:blipFill>
         <p:spPr>
           <a:xfrm>
-            <a:off x="5867401" y="994498"/>
-            <a:ext cx="5410200" cy="4880826"/>
+            <a:off x="6324600" y="1242086"/>
+            <a:ext cx="5076662" cy="4579924"/>
           </a:xfrm>
           <a:prstGeom prst="rect">
             <a:avLst/>
@@ -10637,6 +10651,338 @@
     <p:extLst>
       <p:ext uri="{BB962C8B-B14F-4D97-AF65-F5344CB8AC3E}">
         <p14:creationId xmlns:p14="http://schemas.microsoft.com/office/powerpoint/2010/main" val="1315467376"/>
+      </p:ext>
+    </p:extLst>
+  </p:cSld>
+  <p:clrMapOvr>
+    <a:masterClrMapping/>
+  </p:clrMapOvr>
+</p:sld>
+</file>
+
+<file path=ppt/slides/slide42.xml><?xml version="1.0" encoding="utf-8"?>
+<p:sld xmlns:a="http://schemas.openxmlformats.org/drawingml/2006/main" xmlns:r="http://schemas.openxmlformats.org/officeDocument/2006/relationships" xmlns:p="http://schemas.openxmlformats.org/presentationml/2006/main">
+  <p:cSld>
+    <p:spTree>
+      <p:nvGrpSpPr>
+        <p:cNvPr id="1" name="">
+          <a:extLst>
+            <a:ext uri="{FF2B5EF4-FFF2-40B4-BE49-F238E27FC236}">
+              <a16:creationId xmlns:a16="http://schemas.microsoft.com/office/drawing/2014/main" id="{2A24220F-9362-12F0-5A4D-D936B65D57CF}"/>
+            </a:ext>
+          </a:extLst>
+        </p:cNvPr>
+        <p:cNvGrpSpPr/>
+        <p:nvPr/>
+      </p:nvGrpSpPr>
+      <p:grpSpPr>
+        <a:xfrm>
+          <a:off x="0" y="0"/>
+          <a:ext cx="0" cy="0"/>
+          <a:chOff x="0" y="0"/>
+          <a:chExt cx="0" cy="0"/>
+        </a:xfrm>
+      </p:grpSpPr>
+      <p:sp>
+        <p:nvSpPr>
+          <p:cNvPr id="10" name="Titolo 9">
+            <a:extLst>
+              <a:ext uri="{FF2B5EF4-FFF2-40B4-BE49-F238E27FC236}">
+                <a16:creationId xmlns:a16="http://schemas.microsoft.com/office/drawing/2014/main" id="{BF570515-FD50-E8DD-AC5D-1FF228BC9950}"/>
+              </a:ext>
+            </a:extLst>
+          </p:cNvPr>
+          <p:cNvSpPr>
+            <a:spLocks noGrp="1"/>
+          </p:cNvSpPr>
+          <p:nvPr>
+            <p:ph type="title"/>
+          </p:nvPr>
+        </p:nvSpPr>
+        <p:spPr>
+          <a:xfrm>
+            <a:off x="762000" y="457201"/>
+            <a:ext cx="10515600" cy="538609"/>
+          </a:xfrm>
+        </p:spPr>
+        <p:txBody>
+          <a:bodyPr/>
+          <a:lstStyle/>
+          <a:p>
+            <a:r>
+              <a:rPr lang="en-GB" noProof="0" dirty="0">
+                <a:latin typeface="Arial Black" panose="020B0A04020102020204" pitchFamily="34" charset="0"/>
+              </a:rPr>
+              <a:t>Conclusions - overall best model</a:t>
+            </a:r>
+          </a:p>
+        </p:txBody>
+      </p:sp>
+      <mc:AlternateContent xmlns:mc="http://schemas.openxmlformats.org/markup-compatibility/2006">
+        <mc:Choice xmlns:a14="http://schemas.microsoft.com/office/drawing/2010/main" Requires="a14">
+          <p:sp>
+            <p:nvSpPr>
+              <p:cNvPr id="6" name="CasellaDiTesto 5">
+                <a:extLst>
+                  <a:ext uri="{FF2B5EF4-FFF2-40B4-BE49-F238E27FC236}">
+                    <a16:creationId xmlns:a16="http://schemas.microsoft.com/office/drawing/2014/main" id="{8C3D4CAD-A722-5758-B87F-0E9A319FBBCA}"/>
+                  </a:ext>
+                </a:extLst>
+              </p:cNvPr>
+              <p:cNvSpPr txBox="1"/>
+              <p:nvPr/>
+            </p:nvSpPr>
+            <p:spPr>
+              <a:xfrm>
+                <a:off x="762000" y="1641626"/>
+                <a:ext cx="10515600" cy="830997"/>
+              </a:xfrm>
+              <a:prstGeom prst="rect">
+                <a:avLst/>
+              </a:prstGeom>
+              <a:noFill/>
+            </p:spPr>
+            <p:txBody>
+              <a:bodyPr wrap="square">
+                <a:spAutoFit/>
+              </a:bodyPr>
+              <a:lstStyle/>
+              <a:p>
+                <a:pPr marL="0" indent="0">
+                  <a:buNone/>
+                </a:pPr>
+                <a:r>
+                  <a:rPr lang="en-GB" sz="2400" dirty="0">
+                    <a:solidFill>
+                      <a:schemeClr val="tx1"/>
+                    </a:solidFill>
+                    <a:latin typeface="Arial" panose="020B0604020202020204" pitchFamily="34" charset="0"/>
+                    <a:cs typeface="Arial" panose="020B0604020202020204" pitchFamily="34" charset="0"/>
+                  </a:rPr>
+                  <a:t>Using full dataset for training, </a:t>
+                </a:r>
+                <a:r>
+                  <a:rPr lang="en-GB" sz="2400" b="1" dirty="0">
+                    <a:solidFill>
+                      <a:schemeClr val="tx1"/>
+                    </a:solidFill>
+                    <a:latin typeface="Arial" panose="020B0604020202020204" pitchFamily="34" charset="0"/>
+                    <a:cs typeface="Arial" panose="020B0604020202020204" pitchFamily="34" charset="0"/>
+                  </a:rPr>
+                  <a:t>confidence interval </a:t>
+                </a:r>
+                <a:r>
+                  <a:rPr lang="en-GB" sz="2400" dirty="0">
+                    <a:solidFill>
+                      <a:schemeClr val="tx1"/>
+                    </a:solidFill>
+                    <a:latin typeface="Arial" panose="020B0604020202020204" pitchFamily="34" charset="0"/>
+                    <a:cs typeface="Arial" panose="020B0604020202020204" pitchFamily="34" charset="0"/>
+                  </a:rPr>
+                  <a:t>with </a:t>
+                </a:r>
+                <a:r>
+                  <a:rPr lang="el-GR" sz="2400" dirty="0">
+                    <a:solidFill>
+                      <a:schemeClr val="tx1"/>
+                    </a:solidFill>
+                    <a:latin typeface="Arial" panose="020B0604020202020204" pitchFamily="34" charset="0"/>
+                    <a:cs typeface="Arial" panose="020B0604020202020204" pitchFamily="34" charset="0"/>
+                  </a:rPr>
+                  <a:t>α</a:t>
+                </a:r>
+                <a:r>
+                  <a:rPr lang="it-IT" sz="2400" dirty="0">
+                    <a:solidFill>
+                      <a:schemeClr val="tx1"/>
+                    </a:solidFill>
+                    <a:latin typeface="Arial" panose="020B0604020202020204" pitchFamily="34" charset="0"/>
+                    <a:cs typeface="Arial" panose="020B0604020202020204" pitchFamily="34" charset="0"/>
+                  </a:rPr>
+                  <a:t>=95% on new data is </a:t>
+                </a:r>
+                <a14:m>
+                  <m:oMath xmlns:m="http://schemas.openxmlformats.org/officeDocument/2006/math">
+                    <m:r>
+                      <a:rPr lang="it-IT" sz="2400" i="1" noProof="0" smtClean="0">
+                        <a:solidFill>
+                          <a:schemeClr val="tx1"/>
+                        </a:solidFill>
+                        <a:latin typeface="Cambria Math" panose="02040503050406030204" pitchFamily="18" charset="0"/>
+                        <a:ea typeface="Cambria Math" panose="02040503050406030204" pitchFamily="18" charset="0"/>
+                        <a:cs typeface="Arial" panose="020B0604020202020204" pitchFamily="34" charset="0"/>
+                      </a:rPr>
+                      <m:t>≈±</m:t>
+                    </m:r>
+                    <m:r>
+                      <a:rPr lang="it-IT" sz="2400" b="0" i="1" noProof="0" smtClean="0">
+                        <a:solidFill>
+                          <a:schemeClr val="tx1"/>
+                        </a:solidFill>
+                        <a:latin typeface="Cambria Math" panose="02040503050406030204" pitchFamily="18" charset="0"/>
+                        <a:ea typeface="Cambria Math" panose="02040503050406030204" pitchFamily="18" charset="0"/>
+                        <a:cs typeface="Arial" panose="020B0604020202020204" pitchFamily="34" charset="0"/>
+                      </a:rPr>
+                      <m:t>2</m:t>
+                    </m:r>
+                  </m:oMath>
+                </a14:m>
+                <a:r>
+                  <a:rPr lang="it-IT" sz="2400" noProof="0" dirty="0">
+                    <a:solidFill>
+                      <a:schemeClr val="tx1"/>
+                    </a:solidFill>
+                    <a:latin typeface="Arial" panose="020B0604020202020204" pitchFamily="34" charset="0"/>
+                    <a:cs typeface="Arial" panose="020B0604020202020204" pitchFamily="34" charset="0"/>
+                  </a:rPr>
+                  <a:t> minutes.</a:t>
+                </a:r>
+                <a:endParaRPr lang="en-GB" sz="2400" noProof="0" dirty="0">
+                  <a:latin typeface="Arial" panose="020B0604020202020204" pitchFamily="34" charset="0"/>
+                  <a:cs typeface="Arial" panose="020B0604020202020204" pitchFamily="34" charset="0"/>
+                </a:endParaRPr>
+              </a:p>
+            </p:txBody>
+          </p:sp>
+        </mc:Choice>
+        <mc:Fallback>
+          <p:sp>
+            <p:nvSpPr>
+              <p:cNvPr id="6" name="CasellaDiTesto 5">
+                <a:extLst>
+                  <a:ext uri="{FF2B5EF4-FFF2-40B4-BE49-F238E27FC236}">
+                    <a16:creationId xmlns:a16="http://schemas.microsoft.com/office/drawing/2014/main" id="{8C3D4CAD-A722-5758-B87F-0E9A319FBBCA}"/>
+                  </a:ext>
+                </a:extLst>
+              </p:cNvPr>
+              <p:cNvSpPr txBox="1">
+                <a:spLocks noRot="1" noChangeAspect="1" noMove="1" noResize="1" noEditPoints="1" noAdjustHandles="1" noChangeArrowheads="1" noChangeShapeType="1" noTextEdit="1"/>
+              </p:cNvSpPr>
+              <p:nvPr/>
+            </p:nvSpPr>
+            <p:spPr>
+              <a:xfrm>
+                <a:off x="762000" y="1641626"/>
+                <a:ext cx="10515600" cy="830997"/>
+              </a:xfrm>
+              <a:prstGeom prst="rect">
+                <a:avLst/>
+              </a:prstGeom>
+              <a:blipFill>
+                <a:blip r:embed="rId2"/>
+                <a:stretch>
+                  <a:fillRect l="-870" t="-5109" r="-696" b="-16058"/>
+                </a:stretch>
+              </a:blipFill>
+            </p:spPr>
+            <p:txBody>
+              <a:bodyPr/>
+              <a:lstStyle/>
+              <a:p>
+                <a:r>
+                  <a:rPr lang="it-IT">
+                    <a:noFill/>
+                  </a:rPr>
+                  <a:t> </a:t>
+                </a:r>
+              </a:p>
+            </p:txBody>
+          </p:sp>
+        </mc:Fallback>
+      </mc:AlternateContent>
+      <p:sp>
+        <p:nvSpPr>
+          <p:cNvPr id="7" name="Rectangle 1">
+            <a:extLst>
+              <a:ext uri="{FF2B5EF4-FFF2-40B4-BE49-F238E27FC236}">
+                <a16:creationId xmlns:a16="http://schemas.microsoft.com/office/drawing/2014/main" id="{7B234E03-C6FB-96B7-32EA-F0771052B635}"/>
+              </a:ext>
+            </a:extLst>
+          </p:cNvPr>
+          <p:cNvSpPr>
+            <a:spLocks noChangeArrowheads="1"/>
+          </p:cNvSpPr>
+          <p:nvPr/>
+        </p:nvSpPr>
+        <p:spPr bwMode="auto">
+          <a:xfrm>
+            <a:off x="0" y="90100"/>
+            <a:ext cx="65" cy="276999"/>
+          </a:xfrm>
+          <a:prstGeom prst="rect">
+            <a:avLst/>
+          </a:prstGeom>
+          <a:solidFill>
+            <a:srgbClr val="FFFFFF"/>
+          </a:solidFill>
+          <a:ln>
+            <a:noFill/>
+          </a:ln>
+          <a:effectLst/>
+          <a:extLst>
+            <a:ext uri="{91240B29-F687-4F45-9708-019B960494DF}">
+              <a14:hiddenLine xmlns:a14="http://schemas.microsoft.com/office/drawing/2010/main" w="9525">
+                <a:solidFill>
+                  <a:schemeClr val="tx1"/>
+                </a:solidFill>
+                <a:miter lim="800000"/>
+                <a:headEnd/>
+                <a:tailEnd/>
+              </a14:hiddenLine>
+            </a:ext>
+            <a:ext uri="{AF507438-7753-43E0-B8FC-AC1667EBCBE1}">
+              <a14:hiddenEffects xmlns:a14="http://schemas.microsoft.com/office/drawing/2010/main">
+                <a:effectLst>
+                  <a:outerShdw dist="35921" dir="2700000" algn="ctr" rotWithShape="0">
+                    <a:schemeClr val="bg2"/>
+                  </a:outerShdw>
+                </a:effectLst>
+              </a14:hiddenEffects>
+            </a:ext>
+          </a:extLst>
+        </p:spPr>
+        <p:txBody>
+          <a:bodyPr vert="horz" wrap="none" lIns="0" tIns="0" rIns="0" bIns="0" numCol="1" anchor="ctr" anchorCtr="0" compatLnSpc="1">
+            <a:prstTxWarp prst="textNoShape">
+              <a:avLst/>
+            </a:prstTxWarp>
+            <a:spAutoFit/>
+          </a:bodyPr>
+          <a:lstStyle/>
+          <a:p>
+            <a:pPr marL="0" marR="0" lvl="0" indent="0" algn="l" defTabSz="914400" rtl="0" eaLnBrk="0" fontAlgn="base" latinLnBrk="0" hangingPunct="0">
+              <a:lnSpc>
+                <a:spcPct val="100000"/>
+              </a:lnSpc>
+              <a:spcBef>
+                <a:spcPct val="0"/>
+              </a:spcBef>
+              <a:spcAft>
+                <a:spcPct val="0"/>
+              </a:spcAft>
+              <a:buClrTx/>
+              <a:buSzTx/>
+              <a:buFontTx/>
+              <a:buNone/>
+              <a:tabLst/>
+            </a:pPr>
+            <a:endParaRPr kumimoji="0" lang="en-GB" sz="1800" b="0" i="0" u="none" strike="noStrike" cap="none" normalizeH="0" baseline="0" noProof="0" dirty="0">
+              <a:ln>
+                <a:noFill/>
+              </a:ln>
+              <a:solidFill>
+                <a:schemeClr val="tx1"/>
+              </a:solidFill>
+              <a:effectLst/>
+              <a:latin typeface="Arial" panose="020B0604020202020204" pitchFamily="34" charset="0"/>
+            </a:endParaRPr>
+          </a:p>
+        </p:txBody>
+      </p:sp>
+    </p:spTree>
+    <p:extLst>
+      <p:ext uri="{BB962C8B-B14F-4D97-AF65-F5344CB8AC3E}">
+        <p14:creationId xmlns:p14="http://schemas.microsoft.com/office/powerpoint/2010/main" val="1072208468"/>
       </p:ext>
     </p:extLst>
   </p:cSld>

--- a/Presentation_Gotti_Mazzoleni.pptx
+++ b/Presentation_Gotti_Mazzoleni.pptx
@@ -5,7 +5,7 @@
     <p:sldMasterId id="2147483648" r:id="rId1"/>
   </p:sldMasterIdLst>
   <p:notesMasterIdLst>
-    <p:notesMasterId r:id="rId44"/>
+    <p:notesMasterId r:id="rId45"/>
   </p:notesMasterIdLst>
   <p:sldIdLst>
     <p:sldId id="256" r:id="rId2"/>
@@ -47,9 +47,10 @@
     <p:sldId id="346" r:id="rId38"/>
     <p:sldId id="347" r:id="rId39"/>
     <p:sldId id="348" r:id="rId40"/>
-    <p:sldId id="350" r:id="rId41"/>
-    <p:sldId id="349" r:id="rId42"/>
-    <p:sldId id="351" r:id="rId43"/>
+    <p:sldId id="352" r:id="rId41"/>
+    <p:sldId id="350" r:id="rId42"/>
+    <p:sldId id="349" r:id="rId43"/>
+    <p:sldId id="351" r:id="rId44"/>
   </p:sldIdLst>
   <p:sldSz cx="12192000" cy="6858000"/>
   <p:notesSz cx="12192000" cy="6858000"/>
@@ -9961,7 +9962,7 @@
         <p:cNvPr id="1" name="">
           <a:extLst>
             <a:ext uri="{FF2B5EF4-FFF2-40B4-BE49-F238E27FC236}">
-              <a16:creationId xmlns:a16="http://schemas.microsoft.com/office/drawing/2014/main" id="{2AB5B9A6-3D33-89C1-A3BC-8B3173BA0481}"/>
+              <a16:creationId xmlns:a16="http://schemas.microsoft.com/office/drawing/2014/main" id="{21B129D2-41DB-370C-696A-885EBB988DA0}"/>
             </a:ext>
           </a:extLst>
         </p:cNvPr>
@@ -9981,7 +9982,7 @@
           <p:cNvPr id="10" name="Titolo 9">
             <a:extLst>
               <a:ext uri="{FF2B5EF4-FFF2-40B4-BE49-F238E27FC236}">
-                <a16:creationId xmlns:a16="http://schemas.microsoft.com/office/drawing/2014/main" id="{91B53A26-954D-5665-4314-1B7B139FC1B3}"/>
+                <a16:creationId xmlns:a16="http://schemas.microsoft.com/office/drawing/2014/main" id="{781A061B-8E29-0E48-C4F3-341C37C9B8DF}"/>
               </a:ext>
             </a:extLst>
           </p:cNvPr>
@@ -10003,11 +10004,14 @@
           <a:lstStyle/>
           <a:p>
             <a:r>
-              <a:rPr lang="en-GB" noProof="0" dirty="0">
+              <a:rPr lang="en-GB" dirty="0">
                 <a:latin typeface="Arial Black" panose="020B0A04020102020204" pitchFamily="34" charset="0"/>
               </a:rPr>
-              <a:t>Conclusions – linear regression vs trees</a:t>
-            </a:r>
+              <a:t>Ensemble methods – feature importance</a:t>
+            </a:r>
+            <a:endParaRPr lang="en-GB" noProof="0" dirty="0">
+              <a:latin typeface="Arial Black" panose="020B0A04020102020204" pitchFamily="34" charset="0"/>
+            </a:endParaRPr>
           </a:p>
         </p:txBody>
       </p:sp>
@@ -10016,7 +10020,7 @@
           <p:cNvPr id="6" name="CasellaDiTesto 5">
             <a:extLst>
               <a:ext uri="{FF2B5EF4-FFF2-40B4-BE49-F238E27FC236}">
-                <a16:creationId xmlns:a16="http://schemas.microsoft.com/office/drawing/2014/main" id="{84211571-2A8B-08C8-873F-663204679809}"/>
+                <a16:creationId xmlns:a16="http://schemas.microsoft.com/office/drawing/2014/main" id="{43699F45-AF9C-B20E-08D9-A930222FEC8D}"/>
               </a:ext>
             </a:extLst>
           </p:cNvPr>
@@ -10025,8 +10029,8 @@
         </p:nvSpPr>
         <p:spPr>
           <a:xfrm>
-            <a:off x="762000" y="1641626"/>
-            <a:ext cx="10515600" cy="2308324"/>
+            <a:off x="762000" y="1295400"/>
+            <a:ext cx="10439400" cy="830997"/>
           </a:xfrm>
           <a:prstGeom prst="rect">
             <a:avLst/>
@@ -10039,50 +10043,12 @@
           </a:bodyPr>
           <a:lstStyle/>
           <a:p>
-            <a:pPr marL="0" indent="0">
+            <a:pPr marL="0" indent="0" algn="just">
               <a:buNone/>
             </a:pPr>
             <a:r>
-              <a:rPr lang="en-GB" sz="2400" noProof="0" dirty="0">
-                <a:latin typeface="Arial" panose="020B0604020202020204" pitchFamily="34" charset="0"/>
-                <a:cs typeface="Arial" panose="020B0604020202020204" pitchFamily="34" charset="0"/>
-              </a:rPr>
-              <a:t>Overall, regression trees models have worse performances compared to any regression model in this analysis, at least in terms of prediction.</a:t>
-            </a:r>
-          </a:p>
-          <a:p>
-            <a:pPr marL="0" indent="0">
-              <a:buNone/>
-            </a:pPr>
-            <a:endParaRPr lang="en-GB" sz="2400" noProof="0" dirty="0">
-              <a:latin typeface="Arial" panose="020B0604020202020204" pitchFamily="34" charset="0"/>
-              <a:cs typeface="Arial" panose="020B0604020202020204" pitchFamily="34" charset="0"/>
-            </a:endParaRPr>
-          </a:p>
-          <a:p>
-            <a:pPr marL="0" indent="0">
-              <a:buNone/>
-            </a:pPr>
-            <a:r>
-              <a:rPr lang="en-GB" sz="2400" noProof="0" dirty="0">
-                <a:latin typeface="Arial" panose="020B0604020202020204" pitchFamily="34" charset="0"/>
-                <a:cs typeface="Arial" panose="020B0604020202020204" pitchFamily="34" charset="0"/>
-              </a:rPr>
-              <a:t>This might be </a:t>
-            </a:r>
-            <a:r>
-              <a:rPr lang="en-GB" sz="2400" dirty="0">
-                <a:latin typeface="Arial" panose="020B0604020202020204" pitchFamily="34" charset="0"/>
-                <a:cs typeface="Arial" panose="020B0604020202020204" pitchFamily="34" charset="0"/>
-              </a:rPr>
-              <a:t>due to the characteristics of the dataset:</a:t>
-            </a:r>
-            <a:r>
-              <a:rPr lang="en-GB" sz="2400" noProof="0" dirty="0">
-                <a:latin typeface="Arial" panose="020B0604020202020204" pitchFamily="34" charset="0"/>
-                <a:cs typeface="Arial" panose="020B0604020202020204" pitchFamily="34" charset="0"/>
-              </a:rPr>
-              <a:t> it is composed of generated data, perhaps using a linear regression model like the one utilized in this analysis.</a:t>
+              <a:rPr lang="en-GB" sz="2400" noProof="0" dirty="0"/>
+              <a:t>The order and magnitude of feature importance was almost the same for all three methods used.</a:t>
             </a:r>
           </a:p>
         </p:txBody>
@@ -10092,7 +10058,7 @@
           <p:cNvPr id="7" name="Rectangle 1">
             <a:extLst>
               <a:ext uri="{FF2B5EF4-FFF2-40B4-BE49-F238E27FC236}">
-                <a16:creationId xmlns:a16="http://schemas.microsoft.com/office/drawing/2014/main" id="{09AA93DE-1B64-D584-B643-3E1EDA1340D1}"/>
+                <a16:creationId xmlns:a16="http://schemas.microsoft.com/office/drawing/2014/main" id="{4B0FD983-BDA9-603E-B45F-36BF0A0F9241}"/>
               </a:ext>
             </a:extLst>
           </p:cNvPr>
@@ -10176,6 +10142,279 @@
           </a:p>
         </p:txBody>
       </p:sp>
+      <p:pic>
+        <p:nvPicPr>
+          <p:cNvPr id="3" name="Immagine 2" descr="Immagine che contiene testo, schermata, diagramma, Diagramma&#10;&#10;Il contenuto generato dall'IA potrebbe non essere corretto.">
+            <a:extLst>
+              <a:ext uri="{FF2B5EF4-FFF2-40B4-BE49-F238E27FC236}">
+                <a16:creationId xmlns:a16="http://schemas.microsoft.com/office/drawing/2014/main" id="{212E78E2-5D9C-E557-5592-9DA699629D04}"/>
+              </a:ext>
+            </a:extLst>
+          </p:cNvPr>
+          <p:cNvPicPr>
+            <a:picLocks noChangeAspect="1"/>
+          </p:cNvPicPr>
+          <p:nvPr/>
+        </p:nvPicPr>
+        <p:blipFill>
+          <a:blip r:embed="rId2">
+            <a:extLst>
+              <a:ext uri="{28A0092B-C50C-407E-A947-70E740481C1C}">
+                <a14:useLocalDpi xmlns:a14="http://schemas.microsoft.com/office/drawing/2010/main" val="0"/>
+              </a:ext>
+            </a:extLst>
+          </a:blip>
+          <a:srcRect t="4780"/>
+          <a:stretch>
+            <a:fillRect/>
+          </a:stretch>
+        </p:blipFill>
+        <p:spPr>
+          <a:xfrm>
+            <a:off x="1562100" y="2209800"/>
+            <a:ext cx="9067800" cy="3810680"/>
+          </a:xfrm>
+          <a:prstGeom prst="rect">
+            <a:avLst/>
+          </a:prstGeom>
+        </p:spPr>
+      </p:pic>
+    </p:spTree>
+    <p:extLst>
+      <p:ext uri="{BB962C8B-B14F-4D97-AF65-F5344CB8AC3E}">
+        <p14:creationId xmlns:p14="http://schemas.microsoft.com/office/powerpoint/2010/main" val="2757800238"/>
+      </p:ext>
+    </p:extLst>
+  </p:cSld>
+  <p:clrMapOvr>
+    <a:masterClrMapping/>
+  </p:clrMapOvr>
+</p:sld>
+</file>
+
+<file path=ppt/slides/slide41.xml><?xml version="1.0" encoding="utf-8"?>
+<p:sld xmlns:a="http://schemas.openxmlformats.org/drawingml/2006/main" xmlns:r="http://schemas.openxmlformats.org/officeDocument/2006/relationships" xmlns:p="http://schemas.openxmlformats.org/presentationml/2006/main">
+  <p:cSld>
+    <p:spTree>
+      <p:nvGrpSpPr>
+        <p:cNvPr id="1" name="">
+          <a:extLst>
+            <a:ext uri="{FF2B5EF4-FFF2-40B4-BE49-F238E27FC236}">
+              <a16:creationId xmlns:a16="http://schemas.microsoft.com/office/drawing/2014/main" id="{2AB5B9A6-3D33-89C1-A3BC-8B3173BA0481}"/>
+            </a:ext>
+          </a:extLst>
+        </p:cNvPr>
+        <p:cNvGrpSpPr/>
+        <p:nvPr/>
+      </p:nvGrpSpPr>
+      <p:grpSpPr>
+        <a:xfrm>
+          <a:off x="0" y="0"/>
+          <a:ext cx="0" cy="0"/>
+          <a:chOff x="0" y="0"/>
+          <a:chExt cx="0" cy="0"/>
+        </a:xfrm>
+      </p:grpSpPr>
+      <p:sp>
+        <p:nvSpPr>
+          <p:cNvPr id="10" name="Titolo 9">
+            <a:extLst>
+              <a:ext uri="{FF2B5EF4-FFF2-40B4-BE49-F238E27FC236}">
+                <a16:creationId xmlns:a16="http://schemas.microsoft.com/office/drawing/2014/main" id="{91B53A26-954D-5665-4314-1B7B139FC1B3}"/>
+              </a:ext>
+            </a:extLst>
+          </p:cNvPr>
+          <p:cNvSpPr>
+            <a:spLocks noGrp="1"/>
+          </p:cNvSpPr>
+          <p:nvPr>
+            <p:ph type="title"/>
+          </p:nvPr>
+        </p:nvSpPr>
+        <p:spPr>
+          <a:xfrm>
+            <a:off x="762000" y="457201"/>
+            <a:ext cx="10515600" cy="538609"/>
+          </a:xfrm>
+        </p:spPr>
+        <p:txBody>
+          <a:bodyPr/>
+          <a:lstStyle/>
+          <a:p>
+            <a:r>
+              <a:rPr lang="en-GB" noProof="0" dirty="0">
+                <a:latin typeface="Arial Black" panose="020B0A04020102020204" pitchFamily="34" charset="0"/>
+              </a:rPr>
+              <a:t>Conclusions – linear regression vs trees</a:t>
+            </a:r>
+          </a:p>
+        </p:txBody>
+      </p:sp>
+      <p:sp>
+        <p:nvSpPr>
+          <p:cNvPr id="6" name="CasellaDiTesto 5">
+            <a:extLst>
+              <a:ext uri="{FF2B5EF4-FFF2-40B4-BE49-F238E27FC236}">
+                <a16:creationId xmlns:a16="http://schemas.microsoft.com/office/drawing/2014/main" id="{84211571-2A8B-08C8-873F-663204679809}"/>
+              </a:ext>
+            </a:extLst>
+          </p:cNvPr>
+          <p:cNvSpPr txBox="1"/>
+          <p:nvPr/>
+        </p:nvSpPr>
+        <p:spPr>
+          <a:xfrm>
+            <a:off x="762000" y="1641626"/>
+            <a:ext cx="10515600" cy="2308324"/>
+          </a:xfrm>
+          <a:prstGeom prst="rect">
+            <a:avLst/>
+          </a:prstGeom>
+          <a:noFill/>
+        </p:spPr>
+        <p:txBody>
+          <a:bodyPr wrap="square">
+            <a:spAutoFit/>
+          </a:bodyPr>
+          <a:lstStyle/>
+          <a:p>
+            <a:pPr marL="0" indent="0">
+              <a:buNone/>
+            </a:pPr>
+            <a:r>
+              <a:rPr lang="en-GB" sz="2400" noProof="0" dirty="0">
+                <a:latin typeface="Arial" panose="020B0604020202020204" pitchFamily="34" charset="0"/>
+                <a:cs typeface="Arial" panose="020B0604020202020204" pitchFamily="34" charset="0"/>
+              </a:rPr>
+              <a:t>Overall, regression trees models have worse performances compared to any regression model in this analysis, at least in terms of prediction.</a:t>
+            </a:r>
+          </a:p>
+          <a:p>
+            <a:pPr marL="0" indent="0">
+              <a:buNone/>
+            </a:pPr>
+            <a:endParaRPr lang="en-GB" sz="2400" noProof="0" dirty="0">
+              <a:latin typeface="Arial" panose="020B0604020202020204" pitchFamily="34" charset="0"/>
+              <a:cs typeface="Arial" panose="020B0604020202020204" pitchFamily="34" charset="0"/>
+            </a:endParaRPr>
+          </a:p>
+          <a:p>
+            <a:pPr marL="0" indent="0">
+              <a:buNone/>
+            </a:pPr>
+            <a:r>
+              <a:rPr lang="en-GB" sz="2400" noProof="0" dirty="0">
+                <a:latin typeface="Arial" panose="020B0604020202020204" pitchFamily="34" charset="0"/>
+                <a:cs typeface="Arial" panose="020B0604020202020204" pitchFamily="34" charset="0"/>
+              </a:rPr>
+              <a:t>This might be </a:t>
+            </a:r>
+            <a:r>
+              <a:rPr lang="en-GB" sz="2400" dirty="0">
+                <a:latin typeface="Arial" panose="020B0604020202020204" pitchFamily="34" charset="0"/>
+                <a:cs typeface="Arial" panose="020B0604020202020204" pitchFamily="34" charset="0"/>
+              </a:rPr>
+              <a:t>due to the characteristics of the dataset:</a:t>
+            </a:r>
+            <a:r>
+              <a:rPr lang="en-GB" sz="2400" noProof="0" dirty="0">
+                <a:latin typeface="Arial" panose="020B0604020202020204" pitchFamily="34" charset="0"/>
+                <a:cs typeface="Arial" panose="020B0604020202020204" pitchFamily="34" charset="0"/>
+              </a:rPr>
+              <a:t> it is composed of generated data, perhaps using a linear regression model like the one utilized in this analysis.</a:t>
+            </a:r>
+          </a:p>
+        </p:txBody>
+      </p:sp>
+      <p:sp>
+        <p:nvSpPr>
+          <p:cNvPr id="7" name="Rectangle 1">
+            <a:extLst>
+              <a:ext uri="{FF2B5EF4-FFF2-40B4-BE49-F238E27FC236}">
+                <a16:creationId xmlns:a16="http://schemas.microsoft.com/office/drawing/2014/main" id="{09AA93DE-1B64-D584-B643-3E1EDA1340D1}"/>
+              </a:ext>
+            </a:extLst>
+          </p:cNvPr>
+          <p:cNvSpPr>
+            <a:spLocks noChangeArrowheads="1"/>
+          </p:cNvSpPr>
+          <p:nvPr/>
+        </p:nvSpPr>
+        <p:spPr bwMode="auto">
+          <a:xfrm>
+            <a:off x="0" y="90100"/>
+            <a:ext cx="65" cy="276999"/>
+          </a:xfrm>
+          <a:prstGeom prst="rect">
+            <a:avLst/>
+          </a:prstGeom>
+          <a:solidFill>
+            <a:srgbClr val="FFFFFF"/>
+          </a:solidFill>
+          <a:ln>
+            <a:noFill/>
+          </a:ln>
+          <a:effectLst/>
+          <a:extLst>
+            <a:ext uri="{91240B29-F687-4F45-9708-019B960494DF}">
+              <a14:hiddenLine xmlns:a14="http://schemas.microsoft.com/office/drawing/2010/main" w="9525">
+                <a:solidFill>
+                  <a:schemeClr val="tx1"/>
+                </a:solidFill>
+                <a:miter lim="800000"/>
+                <a:headEnd/>
+                <a:tailEnd/>
+              </a14:hiddenLine>
+            </a:ext>
+            <a:ext uri="{AF507438-7753-43E0-B8FC-AC1667EBCBE1}">
+              <a14:hiddenEffects xmlns:a14="http://schemas.microsoft.com/office/drawing/2010/main">
+                <a:effectLst>
+                  <a:outerShdw dist="35921" dir="2700000" algn="ctr" rotWithShape="0">
+                    <a:schemeClr val="bg2"/>
+                  </a:outerShdw>
+                </a:effectLst>
+              </a14:hiddenEffects>
+            </a:ext>
+          </a:extLst>
+        </p:spPr>
+        <p:txBody>
+          <a:bodyPr vert="horz" wrap="none" lIns="0" tIns="0" rIns="0" bIns="0" numCol="1" anchor="ctr" anchorCtr="0" compatLnSpc="1">
+            <a:prstTxWarp prst="textNoShape">
+              <a:avLst/>
+            </a:prstTxWarp>
+            <a:spAutoFit/>
+          </a:bodyPr>
+          <a:lstStyle/>
+          <a:p>
+            <a:pPr marL="0" marR="0" lvl="0" indent="0" algn="l" defTabSz="914400" rtl="0" eaLnBrk="0" fontAlgn="base" latinLnBrk="0" hangingPunct="0">
+              <a:lnSpc>
+                <a:spcPct val="100000"/>
+              </a:lnSpc>
+              <a:spcBef>
+                <a:spcPct val="0"/>
+              </a:spcBef>
+              <a:spcAft>
+                <a:spcPct val="0"/>
+              </a:spcAft>
+              <a:buClrTx/>
+              <a:buSzTx/>
+              <a:buFontTx/>
+              <a:buNone/>
+              <a:tabLst/>
+            </a:pPr>
+            <a:endParaRPr kumimoji="0" lang="en-GB" sz="1800" b="0" i="0" u="none" strike="noStrike" cap="none" normalizeH="0" baseline="0" noProof="0" dirty="0">
+              <a:ln>
+                <a:noFill/>
+              </a:ln>
+              <a:solidFill>
+                <a:schemeClr val="tx1"/>
+              </a:solidFill>
+              <a:effectLst/>
+              <a:latin typeface="Arial" panose="020B0604020202020204" pitchFamily="34" charset="0"/>
+            </a:endParaRPr>
+          </a:p>
+        </p:txBody>
+      </p:sp>
     </p:spTree>
     <p:extLst>
       <p:ext uri="{BB962C8B-B14F-4D97-AF65-F5344CB8AC3E}">
@@ -10189,7 +10428,7 @@
 </p:sld>
 </file>
 
-<file path=ppt/slides/slide41.xml><?xml version="1.0" encoding="utf-8"?>
+<file path=ppt/slides/slide42.xml><?xml version="1.0" encoding="utf-8"?>
 <p:sld xmlns:a="http://schemas.openxmlformats.org/drawingml/2006/main" xmlns:r="http://schemas.openxmlformats.org/officeDocument/2006/relationships" xmlns:p="http://schemas.openxmlformats.org/presentationml/2006/main">
   <p:cSld>
     <p:spTree>
@@ -10247,8 +10486,8 @@
           </a:p>
         </p:txBody>
       </p:sp>
-      <mc:AlternateContent xmlns:mc="http://schemas.openxmlformats.org/markup-compatibility/2006">
-        <mc:Choice xmlns:a14="http://schemas.microsoft.com/office/drawing/2010/main" Requires="a14">
+      <mc:AlternateContent xmlns:mc="http://schemas.openxmlformats.org/markup-compatibility/2006" xmlns:a14="http://schemas.microsoft.com/office/drawing/2010/main">
+        <mc:Choice Requires="a14">
           <p:sp>
             <p:nvSpPr>
               <p:cNvPr id="6" name="CasellaDiTesto 5">
@@ -10477,7 +10716,7 @@
             </p:txBody>
           </p:sp>
         </mc:Choice>
-        <mc:Fallback>
+        <mc:Fallback xmlns="">
           <p:sp>
             <p:nvSpPr>
               <p:cNvPr id="6" name="CasellaDiTesto 5">
@@ -10660,7 +10899,7 @@
 </p:sld>
 </file>
 
-<file path=ppt/slides/slide42.xml><?xml version="1.0" encoding="utf-8"?>
+<file path=ppt/slides/slide43.xml><?xml version="1.0" encoding="utf-8"?>
 <p:sld xmlns:a="http://schemas.openxmlformats.org/drawingml/2006/main" xmlns:r="http://schemas.openxmlformats.org/officeDocument/2006/relationships" xmlns:p="http://schemas.openxmlformats.org/presentationml/2006/main">
   <p:cSld>
     <p:spTree>
@@ -10718,8 +10957,8 @@
           </a:p>
         </p:txBody>
       </p:sp>
-      <mc:AlternateContent xmlns:mc="http://schemas.openxmlformats.org/markup-compatibility/2006">
-        <mc:Choice xmlns:a14="http://schemas.microsoft.com/office/drawing/2010/main" Requires="a14">
+      <mc:AlternateContent xmlns:mc="http://schemas.openxmlformats.org/markup-compatibility/2006" xmlns:a14="http://schemas.microsoft.com/office/drawing/2010/main">
+        <mc:Choice Requires="a14">
           <p:sp>
             <p:nvSpPr>
               <p:cNvPr id="6" name="CasellaDiTesto 5">
@@ -10845,7 +11084,7 @@
             </p:txBody>
           </p:sp>
         </mc:Choice>
-        <mc:Fallback>
+        <mc:Fallback xmlns="">
           <p:sp>
             <p:nvSpPr>
               <p:cNvPr id="6" name="CasellaDiTesto 5">

--- a/Presentation_Gotti_Mazzoleni.pptx
+++ b/Presentation_Gotti_Mazzoleni.pptx
@@ -10957,8 +10957,8 @@
           </a:p>
         </p:txBody>
       </p:sp>
-      <mc:AlternateContent xmlns:mc="http://schemas.openxmlformats.org/markup-compatibility/2006" xmlns:a14="http://schemas.microsoft.com/office/drawing/2010/main">
-        <mc:Choice Requires="a14">
+      <mc:AlternateContent xmlns:mc="http://schemas.openxmlformats.org/markup-compatibility/2006">
+        <mc:Choice xmlns:a14="http://schemas.microsoft.com/office/drawing/2010/main" Requires="a14">
           <p:sp>
             <p:nvSpPr>
               <p:cNvPr id="6" name="CasellaDiTesto 5">
@@ -10973,8 +10973,8 @@
             </p:nvSpPr>
             <p:spPr>
               <a:xfrm>
-                <a:off x="762000" y="1641626"/>
-                <a:ext cx="10515600" cy="830997"/>
+                <a:off x="762001" y="1641626"/>
+                <a:ext cx="4876800" cy="1200329"/>
               </a:xfrm>
               <a:prstGeom prst="rect">
                 <a:avLst/>
@@ -10987,7 +10987,7 @@
               </a:bodyPr>
               <a:lstStyle/>
               <a:p>
-                <a:pPr marL="0" indent="0">
+                <a:pPr marL="0" indent="0" algn="just">
                   <a:buNone/>
                 </a:pPr>
                 <a:r>
@@ -10998,7 +10998,7 @@
                     <a:latin typeface="Arial" panose="020B0604020202020204" pitchFamily="34" charset="0"/>
                     <a:cs typeface="Arial" panose="020B0604020202020204" pitchFamily="34" charset="0"/>
                   </a:rPr>
-                  <a:t>Using full dataset for training, </a:t>
+                  <a:t>Using the full dataset for training, </a:t>
                 </a:r>
                 <a:r>
                   <a:rPr lang="en-GB" sz="2400" b="1" dirty="0">
@@ -11038,7 +11038,22 @@
                     <a:latin typeface="Arial" panose="020B0604020202020204" pitchFamily="34" charset="0"/>
                     <a:cs typeface="Arial" panose="020B0604020202020204" pitchFamily="34" charset="0"/>
                   </a:rPr>
-                  <a:t>=95% on new data is </a:t>
+                  <a:t> = 95% </a:t>
+                </a:r>
+              </a:p>
+              <a:p>
+                <a:pPr marL="0" indent="0" algn="just">
+                  <a:buNone/>
+                </a:pPr>
+                <a:r>
+                  <a:rPr lang="it-IT" sz="2400" dirty="0">
+                    <a:solidFill>
+                      <a:schemeClr val="tx1"/>
+                    </a:solidFill>
+                    <a:latin typeface="Arial" panose="020B0604020202020204" pitchFamily="34" charset="0"/>
+                    <a:cs typeface="Arial" panose="020B0604020202020204" pitchFamily="34" charset="0"/>
+                  </a:rPr>
+                  <a:t>on new data is </a:t>
                 </a:r>
                 <a14:m>
                   <m:oMath xmlns:m="http://schemas.openxmlformats.org/officeDocument/2006/math">
@@ -11084,7 +11099,7 @@
             </p:txBody>
           </p:sp>
         </mc:Choice>
-        <mc:Fallback xmlns="">
+        <mc:Fallback>
           <p:sp>
             <p:nvSpPr>
               <p:cNvPr id="6" name="CasellaDiTesto 5">
@@ -11101,8 +11116,8 @@
             </p:nvSpPr>
             <p:spPr>
               <a:xfrm>
-                <a:off x="762000" y="1641626"/>
-                <a:ext cx="10515600" cy="830997"/>
+                <a:off x="762001" y="1641626"/>
+                <a:ext cx="4876800" cy="1200329"/>
               </a:xfrm>
               <a:prstGeom prst="rect">
                 <a:avLst/>
@@ -11110,7 +11125,7 @@
               <a:blipFill>
                 <a:blip r:embed="rId2"/>
                 <a:stretch>
-                  <a:fillRect l="-870" t="-5109" r="-696" b="-16058"/>
+                  <a:fillRect l="-1875" t="-3553" r="-1875" b="-11168"/>
                 </a:stretch>
               </a:blipFill>
             </p:spPr>
@@ -11218,6 +11233,42 @@
           </a:p>
         </p:txBody>
       </p:sp>
+      <p:pic>
+        <p:nvPicPr>
+          <p:cNvPr id="3" name="Immagine 2" descr="Immagine che contiene testo, schermata, Carattere, numero&#10;&#10;Il contenuto generato dall'IA potrebbe non essere corretto.">
+            <a:extLst>
+              <a:ext uri="{FF2B5EF4-FFF2-40B4-BE49-F238E27FC236}">
+                <a16:creationId xmlns:a16="http://schemas.microsoft.com/office/drawing/2014/main" id="{A9F471B2-AF16-165D-2906-B277BBCA2389}"/>
+              </a:ext>
+            </a:extLst>
+          </p:cNvPr>
+          <p:cNvPicPr>
+            <a:picLocks noChangeAspect="1"/>
+          </p:cNvPicPr>
+          <p:nvPr/>
+        </p:nvPicPr>
+        <p:blipFill>
+          <a:blip r:embed="rId3">
+            <a:extLst>
+              <a:ext uri="{28A0092B-C50C-407E-A947-70E740481C1C}">
+                <a14:useLocalDpi xmlns:a14="http://schemas.microsoft.com/office/drawing/2010/main" val="0"/>
+              </a:ext>
+            </a:extLst>
+          </a:blip>
+          <a:stretch>
+            <a:fillRect/>
+          </a:stretch>
+        </p:blipFill>
+        <p:spPr>
+          <a:xfrm>
+            <a:off x="6019799" y="1641626"/>
+            <a:ext cx="4760171" cy="4149574"/>
+          </a:xfrm>
+          <a:prstGeom prst="rect">
+            <a:avLst/>
+          </a:prstGeom>
+        </p:spPr>
+      </p:pic>
     </p:spTree>
     <p:extLst>
       <p:ext uri="{BB962C8B-B14F-4D97-AF65-F5344CB8AC3E}">

--- a/Presentation_Gotti_Mazzoleni.pptx
+++ b/Presentation_Gotti_Mazzoleni.pptx
@@ -2712,21 +2712,7 @@
                 <a:latin typeface="Arial" panose="020B0604020202020204" pitchFamily="34" charset="0"/>
                 <a:cs typeface="Arial" panose="020B0604020202020204" pitchFamily="34" charset="0"/>
               </a:rPr>
-              <a:t>is </a:t>
-            </a:r>
-            <a:r>
-              <a:rPr lang="en-GB" sz="2400" noProof="0" dirty="0" err="1">
-                <a:latin typeface="Arial" panose="020B0604020202020204" pitchFamily="34" charset="0"/>
-                <a:cs typeface="Arial" panose="020B0604020202020204" pitchFamily="34" charset="0"/>
-              </a:rPr>
-              <a:t>analyzed</a:t>
-            </a:r>
-            <a:r>
-              <a:rPr lang="en-GB" sz="2400" noProof="0" dirty="0">
-                <a:latin typeface="Arial" panose="020B0604020202020204" pitchFamily="34" charset="0"/>
-                <a:cs typeface="Arial" panose="020B0604020202020204" pitchFamily="34" charset="0"/>
-              </a:rPr>
-              <a:t> individually.</a:t>
+              <a:t>is analysed individually.</a:t>
             </a:r>
           </a:p>
         </p:txBody>
@@ -10957,8 +10943,8 @@
           </a:p>
         </p:txBody>
       </p:sp>
-      <mc:AlternateContent xmlns:mc="http://schemas.openxmlformats.org/markup-compatibility/2006">
-        <mc:Choice xmlns:a14="http://schemas.microsoft.com/office/drawing/2010/main" Requires="a14">
+      <mc:AlternateContent xmlns:mc="http://schemas.openxmlformats.org/markup-compatibility/2006" xmlns:a14="http://schemas.microsoft.com/office/drawing/2010/main">
+        <mc:Choice Requires="a14">
           <p:sp>
             <p:nvSpPr>
               <p:cNvPr id="6" name="CasellaDiTesto 5">
@@ -11099,7 +11085,7 @@
             </p:txBody>
           </p:sp>
         </mc:Choice>
-        <mc:Fallback>
+        <mc:Fallback xmlns="">
           <p:sp>
             <p:nvSpPr>
               <p:cNvPr id="6" name="CasellaDiTesto 5">

--- a/Presentation_Gotti_Mazzoleni.pptx
+++ b/Presentation_Gotti_Mazzoleni.pptx
@@ -5,7 +5,7 @@
     <p:sldMasterId id="2147483648" r:id="rId1"/>
   </p:sldMasterIdLst>
   <p:notesMasterIdLst>
-    <p:notesMasterId r:id="rId45"/>
+    <p:notesMasterId r:id="rId46"/>
   </p:notesMasterIdLst>
   <p:sldIdLst>
     <p:sldId id="256" r:id="rId2"/>
@@ -51,6 +51,7 @@
     <p:sldId id="350" r:id="rId42"/>
     <p:sldId id="349" r:id="rId43"/>
     <p:sldId id="351" r:id="rId44"/>
+    <p:sldId id="353" r:id="rId45"/>
   </p:sldIdLst>
   <p:sldSz cx="12192000" cy="6858000"/>
   <p:notesSz cx="12192000" cy="6858000"/>
@@ -127,7 +128,7 @@
             </a:lvl1pPr>
           </a:lstStyle>
           <a:p>
-            <a:endParaRPr lang="it-IT"/>
+            <a:endParaRPr lang="it-IT" dirty="0"/>
           </a:p>
         </p:txBody>
       </p:sp>
@@ -160,9 +161,9 @@
           <a:p>
             <a:fld id="{52CF3C78-BFF9-4137-8833-13E3D0B09D8B}" type="datetimeFigureOut">
               <a:rPr lang="it-IT" smtClean="0"/>
-              <a:t>21/06/2025</a:t>
+              <a:t>22/06/2025</a:t>
             </a:fld>
-            <a:endParaRPr lang="it-IT"/>
+            <a:endParaRPr lang="it-IT" dirty="0"/>
           </a:p>
         </p:txBody>
       </p:sp>
@@ -195,7 +196,7 @@
           <a:bodyPr vert="horz" lIns="91440" tIns="45720" rIns="91440" bIns="45720" rtlCol="0" anchor="ctr"/>
           <a:lstStyle/>
           <a:p>
-            <a:endParaRPr lang="it-IT"/>
+            <a:endParaRPr lang="it-IT" dirty="0"/>
           </a:p>
         </p:txBody>
       </p:sp>
@@ -285,7 +286,7 @@
             </a:lvl1pPr>
           </a:lstStyle>
           <a:p>
-            <a:endParaRPr lang="it-IT"/>
+            <a:endParaRPr lang="it-IT" dirty="0"/>
           </a:p>
         </p:txBody>
       </p:sp>
@@ -320,7 +321,7 @@
               <a:rPr lang="it-IT" smtClean="0"/>
               <a:t>‹N›</a:t>
             </a:fld>
-            <a:endParaRPr lang="it-IT"/>
+            <a:endParaRPr lang="it-IT" dirty="0"/>
           </a:p>
         </p:txBody>
       </p:sp>
@@ -547,7 +548,7 @@
             </a:lvl1pPr>
           </a:lstStyle>
           <a:p>
-            <a:endParaRPr/>
+            <a:endParaRPr dirty="0"/>
           </a:p>
         </p:txBody>
       </p:sp>
@@ -578,9 +579,9 @@
           <a:p>
             <a:fld id="{1D8BD707-D9CF-40AE-B4C6-C98DA3205C09}" type="datetimeFigureOut">
               <a:rPr lang="en-US"/>
-              <a:t>6/21/2025</a:t>
+              <a:t>6/22/2025</a:t>
             </a:fld>
-            <a:endParaRPr lang="en-US"/>
+            <a:endParaRPr lang="en-US" dirty="0"/>
           </a:p>
         </p:txBody>
       </p:sp>
@@ -612,7 +613,7 @@
             <a:fld id="{B6F15528-21DE-4FAA-801E-634DDDAF4B2B}" type="slidenum">
               <a:t>‹N›</a:t>
             </a:fld>
-            <a:endParaRPr/>
+            <a:endParaRPr dirty="0"/>
           </a:p>
         </p:txBody>
       </p:sp>
@@ -724,7 +725,7 @@
             </a:lvl1pPr>
           </a:lstStyle>
           <a:p>
-            <a:endParaRPr/>
+            <a:endParaRPr dirty="0"/>
           </a:p>
         </p:txBody>
       </p:sp>
@@ -755,9 +756,9 @@
           <a:p>
             <a:fld id="{1D8BD707-D9CF-40AE-B4C6-C98DA3205C09}" type="datetimeFigureOut">
               <a:rPr lang="en-US"/>
-              <a:t>6/21/2025</a:t>
+              <a:t>6/22/2025</a:t>
             </a:fld>
-            <a:endParaRPr lang="en-US"/>
+            <a:endParaRPr lang="en-US" dirty="0"/>
           </a:p>
         </p:txBody>
       </p:sp>
@@ -789,7 +790,7 @@
             <a:fld id="{B6F15528-21DE-4FAA-801E-634DDDAF4B2B}" type="slidenum">
               <a:t>‹N›</a:t>
             </a:fld>
-            <a:endParaRPr/>
+            <a:endParaRPr dirty="0"/>
           </a:p>
         </p:txBody>
       </p:sp>
@@ -938,7 +939,7 @@
             </a:lvl1pPr>
           </a:lstStyle>
           <a:p>
-            <a:endParaRPr/>
+            <a:endParaRPr dirty="0"/>
           </a:p>
         </p:txBody>
       </p:sp>
@@ -969,9 +970,9 @@
           <a:p>
             <a:fld id="{1D8BD707-D9CF-40AE-B4C6-C98DA3205C09}" type="datetimeFigureOut">
               <a:rPr lang="en-US"/>
-              <a:t>6/21/2025</a:t>
+              <a:t>6/22/2025</a:t>
             </a:fld>
-            <a:endParaRPr lang="en-US"/>
+            <a:endParaRPr lang="en-US" dirty="0"/>
           </a:p>
         </p:txBody>
       </p:sp>
@@ -1003,7 +1004,7 @@
             <a:fld id="{B6F15528-21DE-4FAA-801E-634DDDAF4B2B}" type="slidenum">
               <a:t>‹N›</a:t>
             </a:fld>
-            <a:endParaRPr/>
+            <a:endParaRPr dirty="0"/>
           </a:p>
         </p:txBody>
       </p:sp>
@@ -1086,7 +1087,7 @@
             </a:lvl1pPr>
           </a:lstStyle>
           <a:p>
-            <a:endParaRPr/>
+            <a:endParaRPr dirty="0"/>
           </a:p>
         </p:txBody>
       </p:sp>
@@ -1117,9 +1118,9 @@
           <a:p>
             <a:fld id="{1D8BD707-D9CF-40AE-B4C6-C98DA3205C09}" type="datetimeFigureOut">
               <a:rPr lang="en-US"/>
-              <a:t>6/21/2025</a:t>
+              <a:t>6/22/2025</a:t>
             </a:fld>
-            <a:endParaRPr lang="en-US"/>
+            <a:endParaRPr lang="en-US" dirty="0"/>
           </a:p>
         </p:txBody>
       </p:sp>
@@ -1151,7 +1152,7 @@
             <a:fld id="{B6F15528-21DE-4FAA-801E-634DDDAF4B2B}" type="slidenum">
               <a:t>‹N›</a:t>
             </a:fld>
-            <a:endParaRPr/>
+            <a:endParaRPr dirty="0"/>
           </a:p>
         </p:txBody>
       </p:sp>
@@ -1205,7 +1206,7 @@
             </a:lvl1pPr>
           </a:lstStyle>
           <a:p>
-            <a:endParaRPr/>
+            <a:endParaRPr dirty="0"/>
           </a:p>
         </p:txBody>
       </p:sp>
@@ -1236,9 +1237,9 @@
           <a:p>
             <a:fld id="{1D8BD707-D9CF-40AE-B4C6-C98DA3205C09}" type="datetimeFigureOut">
               <a:rPr lang="en-US"/>
-              <a:t>6/21/2025</a:t>
+              <a:t>6/22/2025</a:t>
             </a:fld>
-            <a:endParaRPr lang="en-US"/>
+            <a:endParaRPr lang="en-US" dirty="0"/>
           </a:p>
         </p:txBody>
       </p:sp>
@@ -1270,7 +1271,7 @@
             <a:fld id="{B6F15528-21DE-4FAA-801E-634DDDAF4B2B}" type="slidenum">
               <a:t>‹N›</a:t>
             </a:fld>
-            <a:endParaRPr/>
+            <a:endParaRPr dirty="0"/>
           </a:p>
         </p:txBody>
       </p:sp>
@@ -1353,7 +1354,7 @@
           <a:bodyPr wrap="square" lIns="0" tIns="0" rIns="0" bIns="0" rtlCol="0"/>
           <a:lstStyle/>
           <a:p>
-            <a:endParaRPr/>
+            <a:endParaRPr dirty="0"/>
           </a:p>
         </p:txBody>
       </p:sp>
@@ -1492,7 +1493,7 @@
             </a:lvl1pPr>
           </a:lstStyle>
           <a:p>
-            <a:endParaRPr/>
+            <a:endParaRPr dirty="0"/>
           </a:p>
         </p:txBody>
       </p:sp>
@@ -1533,9 +1534,9 @@
           <a:p>
             <a:fld id="{1D8BD707-D9CF-40AE-B4C6-C98DA3205C09}" type="datetimeFigureOut">
               <a:rPr lang="en-US"/>
-              <a:t>6/21/2025</a:t>
+              <a:t>6/22/2025</a:t>
             </a:fld>
-            <a:endParaRPr lang="en-US"/>
+            <a:endParaRPr lang="en-US" dirty="0"/>
           </a:p>
         </p:txBody>
       </p:sp>
@@ -1577,7 +1578,7 @@
             <a:fld id="{B6F15528-21DE-4FAA-801E-634DDDAF4B2B}" type="slidenum">
               <a:t>‹N›</a:t>
             </a:fld>
-            <a:endParaRPr/>
+            <a:endParaRPr dirty="0"/>
           </a:p>
         </p:txBody>
       </p:sp>
@@ -1783,7 +1784,7 @@
         <p:spPr>
           <a:xfrm>
             <a:off x="8605154" y="3021076"/>
-            <a:ext cx="3434445" cy="410369"/>
+            <a:ext cx="3434445" cy="443711"/>
           </a:xfrm>
           <a:prstGeom prst="rect">
             <a:avLst/>
@@ -1796,15 +1797,12 @@
           <a:lstStyle/>
           <a:p>
             <a:pPr marL="12700">
-              <a:lnSpc>
-                <a:spcPts val="1150"/>
-              </a:lnSpc>
               <a:spcBef>
                 <a:spcPts val="100"/>
               </a:spcBef>
             </a:pPr>
             <a:r>
-              <a:rPr lang="en-GB" sz="1000" spc="-10" noProof="0" dirty="0">
+              <a:rPr lang="en-GB" sz="1200" spc="-10" noProof="0" dirty="0">
                 <a:solidFill>
                   <a:srgbClr val="426EB0"/>
                 </a:solidFill>
@@ -1813,17 +1811,13 @@
               </a:rPr>
               <a:t>Students</a:t>
             </a:r>
-            <a:endParaRPr lang="en-GB" sz="1000" noProof="0" dirty="0">
+            <a:endParaRPr lang="en-GB" sz="1200" noProof="0" dirty="0">
               <a:latin typeface="Franklin Gothic Medium"/>
               <a:cs typeface="Franklin Gothic Medium"/>
             </a:endParaRPr>
           </a:p>
           <a:p>
-            <a:pPr marL="12700">
-              <a:lnSpc>
-                <a:spcPts val="1870"/>
-              </a:lnSpc>
-            </a:pPr>
+            <a:pPr marL="12700"/>
             <a:r>
               <a:rPr lang="en-GB" sz="1600" noProof="0" dirty="0">
                 <a:solidFill>
@@ -1850,7 +1844,7 @@
         <p:spPr>
           <a:xfrm>
             <a:off x="8607347" y="2743200"/>
-            <a:ext cx="2289253" cy="162865"/>
+            <a:ext cx="2289253" cy="201337"/>
           </a:xfrm>
           <a:prstGeom prst="rect">
             <a:avLst/>
@@ -1871,7 +1865,7 @@
               </a:spcBef>
             </a:pPr>
             <a:r>
-              <a:rPr lang="en-GB" sz="950" noProof="0" dirty="0">
+              <a:rPr lang="en-GB" sz="1200" noProof="0" dirty="0">
                 <a:solidFill>
                   <a:srgbClr val="C96643"/>
                 </a:solidFill>
@@ -1880,7 +1874,7 @@
               </a:rPr>
               <a:t>Computer science engineering</a:t>
             </a:r>
-            <a:endParaRPr lang="en-GB" sz="950" noProof="0" dirty="0">
+            <a:endParaRPr lang="en-GB" sz="1200" noProof="0" dirty="0">
               <a:latin typeface="Franklin Gothic Medium"/>
               <a:cs typeface="Franklin Gothic Medium"/>
             </a:endParaRPr>
@@ -2560,7 +2554,7 @@
             </a:r>
             <a:r>
               <a:rPr lang="en-GB" sz="2400" noProof="0" dirty="0"/>
-              <a:t> is numerical we will consider it as categorical because the values represent discrete levels of experience.</a:t>
+              <a:t> is numerical we consider it as categorical because the values represent discrete levels of experience.</a:t>
             </a:r>
           </a:p>
         </p:txBody>
@@ -4287,14 +4281,11 @@
           <a:lstStyle/>
           <a:p>
             <a:r>
-              <a:rPr lang="en-GB" noProof="0">
+              <a:rPr lang="en-GB" noProof="0" dirty="0">
                 <a:latin typeface="Arial Black" panose="020B0A04020102020204" pitchFamily="34" charset="0"/>
               </a:rPr>
               <a:t>Problem setting – food delivery</a:t>
             </a:r>
-            <a:endParaRPr lang="en-GB" noProof="0" dirty="0">
-              <a:latin typeface="Arial Black" panose="020B0A04020102020204" pitchFamily="34" charset="0"/>
-            </a:endParaRPr>
           </a:p>
         </p:txBody>
       </p:sp>
@@ -4577,7 +4568,7 @@
             </a:pPr>
             <a:r>
               <a:rPr lang="en-GB" sz="2400" noProof="0" dirty="0"/>
-              <a:t>By removing those two variables, we obtained a simpler and more interpretable model.</a:t>
+              <a:t>By removing those two variables, we obtain a simpler and more interpretable model.</a:t>
             </a:r>
           </a:p>
           <a:p>
@@ -4589,7 +4580,15 @@
             </a:br>
             <a:r>
               <a:rPr lang="en-GB" sz="2400" noProof="0" dirty="0"/>
-              <a:t>This was achieved without losing the good performance of the previous full model.</a:t>
+              <a:t>This </a:t>
+            </a:r>
+            <a:r>
+              <a:rPr lang="en-GB" sz="2400" dirty="0"/>
+              <a:t>is</a:t>
+            </a:r>
+            <a:r>
+              <a:rPr lang="en-GB" sz="2400" noProof="0" dirty="0"/>
+              <a:t> achieved without losing the good performance of the previous full model.</a:t>
             </a:r>
             <a:endParaRPr lang="en-GB" sz="2400" noProof="0" dirty="0">
               <a:latin typeface="Arial" panose="020B0604020202020204" pitchFamily="34" charset="0"/>
@@ -9833,7 +9832,7 @@
                 <a:latin typeface="Arial" panose="020B0604020202020204" pitchFamily="34" charset="0"/>
                 <a:cs typeface="Arial" panose="020B0604020202020204" pitchFamily="34" charset="0"/>
               </a:rPr>
-              <a:t>New comforts for customers = more customers;</a:t>
+              <a:t>New comforts for customers = more customers</a:t>
             </a:r>
           </a:p>
           <a:p>
@@ -9841,6 +9840,16 @@
               <a:buFont typeface="Arial" panose="020B0604020202020204" pitchFamily="34" charset="0"/>
               <a:buChar char="•"/>
             </a:pPr>
+            <a:r>
+              <a:rPr lang="en-GB" sz="2400" dirty="0">
+                <a:solidFill>
+                  <a:schemeClr val="tx1"/>
+                </a:solidFill>
+                <a:latin typeface="Arial" panose="020B0604020202020204" pitchFamily="34" charset="0"/>
+                <a:cs typeface="Arial" panose="020B0604020202020204" pitchFamily="34" charset="0"/>
+              </a:rPr>
+              <a:t>T</a:t>
+            </a:r>
             <a:r>
               <a:rPr lang="en-GB" sz="2400" noProof="0" dirty="0">
                 <a:solidFill>
@@ -9849,7 +9858,7 @@
                 <a:latin typeface="Arial" panose="020B0604020202020204" pitchFamily="34" charset="0"/>
                 <a:cs typeface="Arial" panose="020B0604020202020204" pitchFamily="34" charset="0"/>
               </a:rPr>
-              <a:t>today, quickness and timeliness in delivery is considered highly important;</a:t>
+              <a:t>oday, quickness and timeliness in delivery is considered highly important</a:t>
             </a:r>
           </a:p>
           <a:p>
@@ -10034,7 +10043,15 @@
             </a:pPr>
             <a:r>
               <a:rPr lang="en-GB" sz="2400" noProof="0" dirty="0"/>
-              <a:t>The order and magnitude of feature importance was almost the same for all three methods used.</a:t>
+              <a:t>The order and magnitude of feature importance </a:t>
+            </a:r>
+            <a:r>
+              <a:rPr lang="en-GB" sz="2400" dirty="0"/>
+              <a:t>is</a:t>
+            </a:r>
+            <a:r>
+              <a:rPr lang="en-GB" sz="2400" noProof="0" dirty="0"/>
+              <a:t> almost the same for all three methods used.</a:t>
             </a:r>
           </a:p>
         </p:txBody>
@@ -11268,6 +11285,414 @@
 </p:sld>
 </file>
 
+<file path=ppt/slides/slide44.xml><?xml version="1.0" encoding="utf-8"?>
+<p:sld xmlns:a="http://schemas.openxmlformats.org/drawingml/2006/main" xmlns:r="http://schemas.openxmlformats.org/officeDocument/2006/relationships" xmlns:p="http://schemas.openxmlformats.org/presentationml/2006/main">
+  <p:cSld>
+    <p:spTree>
+      <p:nvGrpSpPr>
+        <p:cNvPr id="1" name="">
+          <a:extLst>
+            <a:ext uri="{FF2B5EF4-FFF2-40B4-BE49-F238E27FC236}">
+              <a16:creationId xmlns:a16="http://schemas.microsoft.com/office/drawing/2014/main" id="{D46F2CD8-3124-5F0B-7388-8C3EDBE7E03A}"/>
+            </a:ext>
+          </a:extLst>
+        </p:cNvPr>
+        <p:cNvGrpSpPr/>
+        <p:nvPr/>
+      </p:nvGrpSpPr>
+      <p:grpSpPr>
+        <a:xfrm>
+          <a:off x="0" y="0"/>
+          <a:ext cx="0" cy="0"/>
+          <a:chOff x="0" y="0"/>
+          <a:chExt cx="0" cy="0"/>
+        </a:xfrm>
+      </p:grpSpPr>
+      <p:sp>
+        <p:nvSpPr>
+          <p:cNvPr id="10" name="Titolo 9">
+            <a:extLst>
+              <a:ext uri="{FF2B5EF4-FFF2-40B4-BE49-F238E27FC236}">
+                <a16:creationId xmlns:a16="http://schemas.microsoft.com/office/drawing/2014/main" id="{00B149EC-FAEB-7504-F1F5-C3B9378B7531}"/>
+              </a:ext>
+            </a:extLst>
+          </p:cNvPr>
+          <p:cNvSpPr>
+            <a:spLocks noGrp="1"/>
+          </p:cNvSpPr>
+          <p:nvPr>
+            <p:ph type="title"/>
+          </p:nvPr>
+        </p:nvSpPr>
+        <p:spPr>
+          <a:xfrm>
+            <a:off x="762000" y="457201"/>
+            <a:ext cx="10515600" cy="538609"/>
+          </a:xfrm>
+        </p:spPr>
+        <p:txBody>
+          <a:bodyPr/>
+          <a:lstStyle/>
+          <a:p>
+            <a:r>
+              <a:rPr lang="en-GB" noProof="0" dirty="0">
+                <a:latin typeface="Arial Black" panose="020B0A04020102020204" pitchFamily="34" charset="0"/>
+              </a:rPr>
+              <a:t>Bibliography</a:t>
+            </a:r>
+          </a:p>
+        </p:txBody>
+      </p:sp>
+      <p:sp>
+        <p:nvSpPr>
+          <p:cNvPr id="6" name="CasellaDiTesto 5">
+            <a:extLst>
+              <a:ext uri="{FF2B5EF4-FFF2-40B4-BE49-F238E27FC236}">
+                <a16:creationId xmlns:a16="http://schemas.microsoft.com/office/drawing/2014/main" id="{4414CC6C-7F7E-6E3E-A6F3-69CD71DE8899}"/>
+              </a:ext>
+            </a:extLst>
+          </p:cNvPr>
+          <p:cNvSpPr txBox="1"/>
+          <p:nvPr/>
+        </p:nvSpPr>
+        <p:spPr>
+          <a:xfrm>
+            <a:off x="762000" y="1641626"/>
+            <a:ext cx="10515599" cy="4401205"/>
+          </a:xfrm>
+          <a:prstGeom prst="rect">
+            <a:avLst/>
+          </a:prstGeom>
+          <a:noFill/>
+        </p:spPr>
+        <p:txBody>
+          <a:bodyPr wrap="square">
+            <a:spAutoFit/>
+          </a:bodyPr>
+          <a:lstStyle/>
+          <a:p>
+            <a:pPr marL="342900" indent="-342900" algn="just">
+              <a:buFont typeface="Arial" panose="020B0604020202020204" pitchFamily="34" charset="0"/>
+              <a:buChar char="•"/>
+            </a:pPr>
+            <a:r>
+              <a:rPr lang="en-GB" sz="2400" i="1" dirty="0">
+                <a:solidFill>
+                  <a:schemeClr val="tx1"/>
+                </a:solidFill>
+                <a:latin typeface="Arial" panose="020B0604020202020204" pitchFamily="34" charset="0"/>
+                <a:cs typeface="Arial" panose="020B0604020202020204" pitchFamily="34" charset="0"/>
+              </a:rPr>
+              <a:t>Ahuja, Chandra, Lord, and Peens. Ordering in: The rapid evolution of food delivery, 2021. McKinsey &amp; Company.</a:t>
+            </a:r>
+          </a:p>
+          <a:p>
+            <a:pPr algn="just"/>
+            <a:r>
+              <a:rPr lang="en-GB" sz="2400" dirty="0">
+                <a:solidFill>
+                  <a:schemeClr val="tx1"/>
+                </a:solidFill>
+                <a:latin typeface="Arial" panose="020B0604020202020204" pitchFamily="34" charset="0"/>
+                <a:cs typeface="Arial" panose="020B0604020202020204" pitchFamily="34" charset="0"/>
+              </a:rPr>
+              <a:t>Available at: </a:t>
+            </a:r>
+            <a:r>
+              <a:rPr lang="en-GB" sz="1600" u="sng" dirty="0">
+                <a:solidFill>
+                  <a:schemeClr val="accent1"/>
+                </a:solidFill>
+                <a:latin typeface="Arial" panose="020B0604020202020204" pitchFamily="34" charset="0"/>
+                <a:cs typeface="Arial" panose="020B0604020202020204" pitchFamily="34" charset="0"/>
+              </a:rPr>
+              <a:t>https://www.mckinsey.com/industries/technology-media-and-telecommunications/our-insights/ordering-in-the-rapid-evolution-of-food-delivery. </a:t>
+            </a:r>
+          </a:p>
+          <a:p>
+            <a:pPr algn="just"/>
+            <a:endParaRPr lang="en-GB" sz="1600" u="sng" dirty="0">
+              <a:solidFill>
+                <a:schemeClr val="accent1"/>
+              </a:solidFill>
+              <a:latin typeface="Arial" panose="020B0604020202020204" pitchFamily="34" charset="0"/>
+              <a:cs typeface="Arial" panose="020B0604020202020204" pitchFamily="34" charset="0"/>
+            </a:endParaRPr>
+          </a:p>
+          <a:p>
+            <a:pPr marL="342900" indent="-342900" algn="just">
+              <a:buFont typeface="Arial" panose="020B0604020202020204" pitchFamily="34" charset="0"/>
+              <a:buChar char="•"/>
+            </a:pPr>
+            <a:r>
+              <a:rPr lang="en-GB" sz="2400" i="1" dirty="0">
+                <a:solidFill>
+                  <a:schemeClr val="tx1"/>
+                </a:solidFill>
+                <a:latin typeface="Arial" panose="020B0604020202020204" pitchFamily="34" charset="0"/>
+                <a:cs typeface="Arial" panose="020B0604020202020204" pitchFamily="34" charset="0"/>
+              </a:rPr>
+              <a:t>Kuznetz. Food Delivery Time Prediction, 2024. Kaggle.</a:t>
+            </a:r>
+          </a:p>
+          <a:p>
+            <a:pPr algn="just"/>
+            <a:r>
+              <a:rPr lang="en-GB" sz="2400" dirty="0">
+                <a:solidFill>
+                  <a:schemeClr val="tx1"/>
+                </a:solidFill>
+                <a:latin typeface="Arial" panose="020B0604020202020204" pitchFamily="34" charset="0"/>
+                <a:cs typeface="Arial" panose="020B0604020202020204" pitchFamily="34" charset="0"/>
+              </a:rPr>
+              <a:t>Available at: </a:t>
+            </a:r>
+            <a:r>
+              <a:rPr lang="en-GB" sz="1600" u="sng" dirty="0">
+                <a:solidFill>
+                  <a:schemeClr val="accent1"/>
+                </a:solidFill>
+                <a:latin typeface="Arial" panose="020B0604020202020204" pitchFamily="34" charset="0"/>
+                <a:cs typeface="Arial" panose="020B0604020202020204" pitchFamily="34" charset="0"/>
+                <a:hlinkClick r:id="rId2"/>
+              </a:rPr>
+              <a:t>https://www.kaggle.com/datasets/denkuznetz/food-delivery-time-prediction</a:t>
+            </a:r>
+            <a:r>
+              <a:rPr lang="en-GB" sz="1600" u="sng" dirty="0">
+                <a:solidFill>
+                  <a:schemeClr val="accent1"/>
+                </a:solidFill>
+                <a:latin typeface="Arial" panose="020B0604020202020204" pitchFamily="34" charset="0"/>
+                <a:cs typeface="Arial" panose="020B0604020202020204" pitchFamily="34" charset="0"/>
+              </a:rPr>
+              <a:t>.</a:t>
+            </a:r>
+          </a:p>
+          <a:p>
+            <a:pPr algn="just"/>
+            <a:endParaRPr lang="en-GB" sz="1600" u="sng" dirty="0">
+              <a:solidFill>
+                <a:schemeClr val="accent1"/>
+              </a:solidFill>
+              <a:latin typeface="Arial" panose="020B0604020202020204" pitchFamily="34" charset="0"/>
+              <a:cs typeface="Arial" panose="020B0604020202020204" pitchFamily="34" charset="0"/>
+            </a:endParaRPr>
+          </a:p>
+          <a:p>
+            <a:pPr marL="342900" indent="-342900" algn="just">
+              <a:buFont typeface="Arial" panose="020B0604020202020204" pitchFamily="34" charset="0"/>
+              <a:buChar char="•"/>
+            </a:pPr>
+            <a:r>
+              <a:rPr lang="en-GB" sz="2400" i="1" dirty="0">
+                <a:solidFill>
+                  <a:schemeClr val="tx1"/>
+                </a:solidFill>
+                <a:latin typeface="Arial" panose="020B0604020202020204" pitchFamily="34" charset="0"/>
+                <a:cs typeface="Arial" panose="020B0604020202020204" pitchFamily="34" charset="0"/>
+              </a:rPr>
+              <a:t>Qual è la situazione del food delivery in Italia?, 2021, iBicocca. </a:t>
+            </a:r>
+          </a:p>
+          <a:p>
+            <a:pPr algn="just"/>
+            <a:r>
+              <a:rPr lang="en-GB" sz="2400" dirty="0">
+                <a:solidFill>
+                  <a:schemeClr val="tx1"/>
+                </a:solidFill>
+                <a:latin typeface="Arial" panose="020B0604020202020204" pitchFamily="34" charset="0"/>
+                <a:cs typeface="Arial" panose="020B0604020202020204" pitchFamily="34" charset="0"/>
+              </a:rPr>
+              <a:t>Available at: </a:t>
+            </a:r>
+            <a:r>
+              <a:rPr lang="en-GB" sz="1600" u="sng" dirty="0">
+                <a:solidFill>
+                  <a:schemeClr val="accent1"/>
+                </a:solidFill>
+                <a:latin typeface="Arial" panose="020B0604020202020204" pitchFamily="34" charset="0"/>
+                <a:cs typeface="Arial" panose="020B0604020202020204" pitchFamily="34" charset="0"/>
+                <a:hlinkClick r:id="rId3"/>
+              </a:rPr>
+              <a:t>https://ibicocca.unimib.it/qual-e-la-situazione-del-food-delivery-in-italia</a:t>
+            </a:r>
+            <a:r>
+              <a:rPr lang="en-GB" sz="2400" dirty="0">
+                <a:solidFill>
+                  <a:schemeClr val="tx1"/>
+                </a:solidFill>
+                <a:latin typeface="Arial" panose="020B0604020202020204" pitchFamily="34" charset="0"/>
+                <a:cs typeface="Arial" panose="020B0604020202020204" pitchFamily="34" charset="0"/>
+              </a:rPr>
+              <a:t>.</a:t>
+            </a:r>
+          </a:p>
+          <a:p>
+            <a:pPr algn="just"/>
+            <a:endParaRPr lang="en-GB" sz="1600" noProof="0" dirty="0">
+              <a:solidFill>
+                <a:schemeClr val="tx1"/>
+              </a:solidFill>
+              <a:latin typeface="Arial" panose="020B0604020202020204" pitchFamily="34" charset="0"/>
+              <a:cs typeface="Arial" panose="020B0604020202020204" pitchFamily="34" charset="0"/>
+            </a:endParaRPr>
+          </a:p>
+          <a:p>
+            <a:pPr marL="342900" indent="-342900" algn="just">
+              <a:buFont typeface="Arial" panose="020B0604020202020204" pitchFamily="34" charset="0"/>
+              <a:buChar char="•"/>
+            </a:pPr>
+            <a:r>
+              <a:rPr lang="en-GB" sz="2400" i="1" dirty="0">
+                <a:solidFill>
+                  <a:schemeClr val="tx1"/>
+                </a:solidFill>
+                <a:latin typeface="Arial" panose="020B0604020202020204" pitchFamily="34" charset="0"/>
+                <a:cs typeface="Arial" panose="020B0604020202020204" pitchFamily="34" charset="0"/>
+              </a:rPr>
+              <a:t>Gotti and Mazzoleni. Food Delivery Time Prediction. </a:t>
+            </a:r>
+          </a:p>
+          <a:p>
+            <a:pPr algn="just"/>
+            <a:r>
+              <a:rPr lang="en-GB" sz="2400" dirty="0">
+                <a:solidFill>
+                  <a:schemeClr val="tx1"/>
+                </a:solidFill>
+                <a:latin typeface="Arial" panose="020B0604020202020204" pitchFamily="34" charset="0"/>
+                <a:cs typeface="Arial" panose="020B0604020202020204" pitchFamily="34" charset="0"/>
+              </a:rPr>
+              <a:t>Available at: </a:t>
+            </a:r>
+            <a:r>
+              <a:rPr lang="en-GB" sz="1600" u="sng" dirty="0">
+                <a:solidFill>
+                  <a:schemeClr val="accent1"/>
+                </a:solidFill>
+                <a:latin typeface="Arial" panose="020B0604020202020204" pitchFamily="34" charset="0"/>
+                <a:cs typeface="Arial" panose="020B0604020202020204" pitchFamily="34" charset="0"/>
+                <a:hlinkClick r:id="rId4"/>
+              </a:rPr>
+              <a:t>https://github.com/DanieleGotti/Food_Delivery_Time_Prediction</a:t>
+            </a:r>
+            <a:r>
+              <a:rPr lang="en-GB" sz="1600" u="sng" dirty="0">
+                <a:solidFill>
+                  <a:schemeClr val="accent1"/>
+                </a:solidFill>
+                <a:latin typeface="Arial" panose="020B0604020202020204" pitchFamily="34" charset="0"/>
+                <a:cs typeface="Arial" panose="020B0604020202020204" pitchFamily="34" charset="0"/>
+              </a:rPr>
+              <a:t>.</a:t>
+            </a:r>
+          </a:p>
+        </p:txBody>
+      </p:sp>
+      <p:sp>
+        <p:nvSpPr>
+          <p:cNvPr id="7" name="Rectangle 1">
+            <a:extLst>
+              <a:ext uri="{FF2B5EF4-FFF2-40B4-BE49-F238E27FC236}">
+                <a16:creationId xmlns:a16="http://schemas.microsoft.com/office/drawing/2014/main" id="{EDC19EB7-D210-7796-949D-31691B0C6BB2}"/>
+              </a:ext>
+            </a:extLst>
+          </p:cNvPr>
+          <p:cNvSpPr>
+            <a:spLocks noChangeArrowheads="1"/>
+          </p:cNvSpPr>
+          <p:nvPr/>
+        </p:nvSpPr>
+        <p:spPr bwMode="auto">
+          <a:xfrm>
+            <a:off x="0" y="90100"/>
+            <a:ext cx="65" cy="276999"/>
+          </a:xfrm>
+          <a:prstGeom prst="rect">
+            <a:avLst/>
+          </a:prstGeom>
+          <a:solidFill>
+            <a:srgbClr val="FFFFFF"/>
+          </a:solidFill>
+          <a:ln>
+            <a:noFill/>
+          </a:ln>
+          <a:effectLst/>
+          <a:extLst>
+            <a:ext uri="{91240B29-F687-4F45-9708-019B960494DF}">
+              <a14:hiddenLine xmlns:a14="http://schemas.microsoft.com/office/drawing/2010/main" w="9525">
+                <a:solidFill>
+                  <a:schemeClr val="tx1"/>
+                </a:solidFill>
+                <a:miter lim="800000"/>
+                <a:headEnd/>
+                <a:tailEnd/>
+              </a14:hiddenLine>
+            </a:ext>
+            <a:ext uri="{AF507438-7753-43E0-B8FC-AC1667EBCBE1}">
+              <a14:hiddenEffects xmlns:a14="http://schemas.microsoft.com/office/drawing/2010/main">
+                <a:effectLst>
+                  <a:outerShdw dist="35921" dir="2700000" algn="ctr" rotWithShape="0">
+                    <a:schemeClr val="bg2"/>
+                  </a:outerShdw>
+                </a:effectLst>
+              </a14:hiddenEffects>
+            </a:ext>
+          </a:extLst>
+        </p:spPr>
+        <p:txBody>
+          <a:bodyPr vert="horz" wrap="none" lIns="0" tIns="0" rIns="0" bIns="0" numCol="1" anchor="ctr" anchorCtr="0" compatLnSpc="1">
+            <a:prstTxWarp prst="textNoShape">
+              <a:avLst/>
+            </a:prstTxWarp>
+            <a:spAutoFit/>
+          </a:bodyPr>
+          <a:lstStyle/>
+          <a:p>
+            <a:pPr marL="0" marR="0" lvl="0" indent="0" algn="l" defTabSz="914400" rtl="0" eaLnBrk="0" fontAlgn="base" latinLnBrk="0" hangingPunct="0">
+              <a:lnSpc>
+                <a:spcPct val="100000"/>
+              </a:lnSpc>
+              <a:spcBef>
+                <a:spcPct val="0"/>
+              </a:spcBef>
+              <a:spcAft>
+                <a:spcPct val="0"/>
+              </a:spcAft>
+              <a:buClrTx/>
+              <a:buSzTx/>
+              <a:buFontTx/>
+              <a:buNone/>
+              <a:tabLst/>
+            </a:pPr>
+            <a:endParaRPr kumimoji="0" lang="en-GB" sz="1800" b="0" i="0" u="none" strike="noStrike" cap="none" normalizeH="0" baseline="0" noProof="0" dirty="0">
+              <a:ln>
+                <a:noFill/>
+              </a:ln>
+              <a:solidFill>
+                <a:schemeClr val="tx1"/>
+              </a:solidFill>
+              <a:effectLst/>
+              <a:latin typeface="Arial" panose="020B0604020202020204" pitchFamily="34" charset="0"/>
+            </a:endParaRPr>
+          </a:p>
+        </p:txBody>
+      </p:sp>
+    </p:spTree>
+    <p:extLst>
+      <p:ext uri="{BB962C8B-B14F-4D97-AF65-F5344CB8AC3E}">
+        <p14:creationId xmlns:p14="http://schemas.microsoft.com/office/powerpoint/2010/main" val="2916658385"/>
+      </p:ext>
+    </p:extLst>
+  </p:cSld>
+  <p:clrMapOvr>
+    <a:masterClrMapping/>
+  </p:clrMapOvr>
+</p:sld>
+</file>
+
 <file path=ppt/slides/slide5.xml><?xml version="1.0" encoding="utf-8"?>
 <p:sld xmlns:a="http://schemas.openxmlformats.org/drawingml/2006/main" xmlns:r="http://schemas.openxmlformats.org/officeDocument/2006/relationships" xmlns:p="http://schemas.openxmlformats.org/presentationml/2006/main">
   <p:cSld>
@@ -11895,7 +12320,15 @@
           <a:p>
             <a:r>
               <a:rPr lang="en-GB" sz="2400" noProof="0" dirty="0"/>
-              <a:t>We then removed outliers using the Interquartile Range (IQR) method.</a:t>
+              <a:t>We </a:t>
+            </a:r>
+            <a:r>
+              <a:rPr lang="en-GB" sz="2400" dirty="0"/>
+              <a:t>also</a:t>
+            </a:r>
+            <a:r>
+              <a:rPr lang="en-GB" sz="2400" noProof="0" dirty="0"/>
+              <a:t> removed outliers using the Interquartile Range (IQR) method.</a:t>
             </a:r>
           </a:p>
           <a:p>

--- a/Presentation_Gotti_Mazzoleni.pptx
+++ b/Presentation_Gotti_Mazzoleni.pptx
@@ -7505,7 +7505,15 @@
             <a:pPr algn="just"/>
             <a:r>
               <a:rPr lang="en-GB" sz="2400" noProof="0" dirty="0"/>
-              <a:t>We return to a non-normalized model, as normalization is not needed.</a:t>
+              <a:t>We return to a non-standardized model, as </a:t>
+            </a:r>
+            <a:r>
+              <a:rPr lang="en-GB" sz="2400" dirty="0"/>
+              <a:t>standardization</a:t>
+            </a:r>
+            <a:r>
+              <a:rPr lang="en-GB" sz="2400" noProof="0" dirty="0"/>
+              <a:t> is not needed.</a:t>
             </a:r>
           </a:p>
           <a:p>
